--- a/projects/kog.050.010-environment-mapping/aitcg400 - Environment Mapping.pptx
+++ b/projects/kog.050.010-environment-mapping/aitcg400 - Environment Mapping.pptx
@@ -210,7 +210,7 @@
           <a:p>
             <a:fld id="{5B0DAFD6-FAC2-42B7-869F-67A360C20BEA}" type="datetimeFigureOut">
               <a:rPr lang="en-US" smtClean="0"/>
-              <a:t>4/15/2021</a:t>
+              <a:t>11/14/2021</a:t>
             </a:fld>
             <a:endParaRPr lang="en-US"/>
           </a:p>
@@ -608,7 +608,7 @@
           <a:p>
             <a:fld id="{338A3FAA-9C6C-4F9E-8590-40D8D97A52B8}" type="datetimeFigureOut">
               <a:rPr lang="en-US" smtClean="0"/>
-              <a:t>4/15/2021</a:t>
+              <a:t>11/14/2021</a:t>
             </a:fld>
             <a:endParaRPr lang="en-US"/>
           </a:p>
@@ -776,7 +776,7 @@
           <a:p>
             <a:fld id="{338A3FAA-9C6C-4F9E-8590-40D8D97A52B8}" type="datetimeFigureOut">
               <a:rPr lang="en-US" smtClean="0"/>
-              <a:t>4/15/2021</a:t>
+              <a:t>11/14/2021</a:t>
             </a:fld>
             <a:endParaRPr lang="en-US"/>
           </a:p>
@@ -954,7 +954,7 @@
           <a:p>
             <a:fld id="{338A3FAA-9C6C-4F9E-8590-40D8D97A52B8}" type="datetimeFigureOut">
               <a:rPr lang="en-US" smtClean="0"/>
-              <a:t>4/15/2021</a:t>
+              <a:t>11/14/2021</a:t>
             </a:fld>
             <a:endParaRPr lang="en-US"/>
           </a:p>
@@ -1122,7 +1122,7 @@
           <a:p>
             <a:fld id="{338A3FAA-9C6C-4F9E-8590-40D8D97A52B8}" type="datetimeFigureOut">
               <a:rPr lang="en-US" smtClean="0"/>
-              <a:t>4/15/2021</a:t>
+              <a:t>11/14/2021</a:t>
             </a:fld>
             <a:endParaRPr lang="en-US"/>
           </a:p>
@@ -1367,7 +1367,7 @@
           <a:p>
             <a:fld id="{338A3FAA-9C6C-4F9E-8590-40D8D97A52B8}" type="datetimeFigureOut">
               <a:rPr lang="en-US" smtClean="0"/>
-              <a:t>4/15/2021</a:t>
+              <a:t>11/14/2021</a:t>
             </a:fld>
             <a:endParaRPr lang="en-US"/>
           </a:p>
@@ -1596,7 +1596,7 @@
           <a:p>
             <a:fld id="{338A3FAA-9C6C-4F9E-8590-40D8D97A52B8}" type="datetimeFigureOut">
               <a:rPr lang="en-US" smtClean="0"/>
-              <a:t>4/15/2021</a:t>
+              <a:t>11/14/2021</a:t>
             </a:fld>
             <a:endParaRPr lang="en-US"/>
           </a:p>
@@ -1960,7 +1960,7 @@
           <a:p>
             <a:fld id="{338A3FAA-9C6C-4F9E-8590-40D8D97A52B8}" type="datetimeFigureOut">
               <a:rPr lang="en-US" smtClean="0"/>
-              <a:t>4/15/2021</a:t>
+              <a:t>11/14/2021</a:t>
             </a:fld>
             <a:endParaRPr lang="en-US"/>
           </a:p>
@@ -2077,7 +2077,7 @@
           <a:p>
             <a:fld id="{338A3FAA-9C6C-4F9E-8590-40D8D97A52B8}" type="datetimeFigureOut">
               <a:rPr lang="en-US" smtClean="0"/>
-              <a:t>4/15/2021</a:t>
+              <a:t>11/14/2021</a:t>
             </a:fld>
             <a:endParaRPr lang="en-US"/>
           </a:p>
@@ -2172,7 +2172,7 @@
           <a:p>
             <a:fld id="{338A3FAA-9C6C-4F9E-8590-40D8D97A52B8}" type="datetimeFigureOut">
               <a:rPr lang="en-US" smtClean="0"/>
-              <a:t>4/15/2021</a:t>
+              <a:t>11/14/2021</a:t>
             </a:fld>
             <a:endParaRPr lang="en-US"/>
           </a:p>
@@ -2447,7 +2447,7 @@
           <a:p>
             <a:fld id="{338A3FAA-9C6C-4F9E-8590-40D8D97A52B8}" type="datetimeFigureOut">
               <a:rPr lang="en-US" smtClean="0"/>
-              <a:t>4/15/2021</a:t>
+              <a:t>11/14/2021</a:t>
             </a:fld>
             <a:endParaRPr lang="en-US"/>
           </a:p>
@@ -2699,7 +2699,7 @@
           <a:p>
             <a:fld id="{338A3FAA-9C6C-4F9E-8590-40D8D97A52B8}" type="datetimeFigureOut">
               <a:rPr lang="en-US" smtClean="0"/>
-              <a:t>4/15/2021</a:t>
+              <a:t>11/14/2021</a:t>
             </a:fld>
             <a:endParaRPr lang="en-US"/>
           </a:p>
@@ -2910,7 +2910,7 @@
           <a:p>
             <a:fld id="{338A3FAA-9C6C-4F9E-8590-40D8D97A52B8}" type="datetimeFigureOut">
               <a:rPr lang="en-US" smtClean="0"/>
-              <a:t>4/15/2021</a:t>
+              <a:t>11/14/2021</a:t>
             </a:fld>
             <a:endParaRPr lang="en-US"/>
           </a:p>
@@ -3659,27 +3659,7 @@
                 <a:latin typeface="Consolas" panose="020B0609020204030204" pitchFamily="49" charset="0"/>
                 <a:ea typeface="Times New Roman" panose="02020603050405020304" pitchFamily="18" charset="0"/>
               </a:rPr>
-              <a:t>env</a:t>
-            </a:r>
-            <a:r>
-              <a:rPr lang="hu-HU" dirty="0">
-                <a:solidFill>
-                  <a:prstClr val="black"/>
-                </a:solidFill>
-                <a:latin typeface="Consolas" panose="020B0609020204030204" pitchFamily="49" charset="0"/>
-                <a:ea typeface="Times New Roman" panose="02020603050405020304" pitchFamily="18" charset="0"/>
-              </a:rPr>
-              <a:t>m</a:t>
-            </a:r>
-            <a:r>
-              <a:rPr lang="en-US" dirty="0" err="1">
-                <a:solidFill>
-                  <a:prstClr val="black"/>
-                </a:solidFill>
-                <a:latin typeface="Consolas" panose="020B0609020204030204" pitchFamily="49" charset="0"/>
-                <a:ea typeface="Times New Roman" panose="02020603050405020304" pitchFamily="18" charset="0"/>
-              </a:rPr>
-              <a:t>apTexture</a:t>
+              <a:t>envTexture</a:t>
             </a:r>
             <a:r>
               <a:rPr lang="en-US" dirty="0">
@@ -4124,34 +4104,16 @@
                 </a:solidFill>
                 <a:latin typeface="Consolas" panose="020B0609020204030204" pitchFamily="49" charset="0"/>
               </a:rPr>
-              <a:t>  </a:t>
-            </a:r>
-            <a:r>
-              <a:rPr lang="en-US" sz="1400">
+              <a:t>  ["</a:t>
+            </a:r>
+            <a:r>
+              <a:rPr lang="en-US" sz="1400" dirty="0" err="1">
                 <a:solidFill>
                   <a:schemeClr val="tx1"/>
                 </a:solidFill>
                 <a:latin typeface="Consolas" panose="020B0609020204030204" pitchFamily="49" charset="0"/>
               </a:rPr>
-              <a:t>["env</a:t>
-            </a:r>
-            <a:r>
-              <a:rPr lang="hu-HU" sz="1400" dirty="0">
-                <a:solidFill>
-                  <a:schemeClr val="tx1"/>
-                </a:solidFill>
-                <a:latin typeface="Consolas" panose="020B0609020204030204" pitchFamily="49" charset="0"/>
-              </a:rPr>
-              <a:t>m</a:t>
-            </a:r>
-            <a:r>
-              <a:rPr lang="en-US" sz="1400" dirty="0" err="1">
-                <a:solidFill>
-                  <a:schemeClr val="tx1"/>
-                </a:solidFill>
-                <a:latin typeface="Consolas" panose="020B0609020204030204" pitchFamily="49" charset="0"/>
-              </a:rPr>
-              <a:t>apTexture</a:t>
+              <a:t>envTexture</a:t>
             </a:r>
             <a:r>
               <a:rPr lang="en-US" sz="1400" dirty="0">
@@ -4668,7 +4630,51 @@
                 <a:ea typeface="Times New Roman" panose="02020603050405020304" pitchFamily="18" charset="0"/>
                 <a:cs typeface="Consolas" panose="020B0609020204030204" pitchFamily="49" charset="0"/>
               </a:rPr>
-              <a:t>.set(this.position).xyz1mul(</a:t>
+              <a:t>.</a:t>
+            </a:r>
+            <a:r>
+              <a:rPr lang="hu-HU" sz="2000" dirty="0" err="1">
+                <a:solidFill>
+                  <a:schemeClr val="tx1"/>
+                </a:solidFill>
+                <a:latin typeface="Consolas" panose="020B0609020204030204" pitchFamily="49" charset="0"/>
+                <a:ea typeface="Times New Roman" panose="02020603050405020304" pitchFamily="18" charset="0"/>
+                <a:cs typeface="Consolas" panose="020B0609020204030204" pitchFamily="49" charset="0"/>
+              </a:rPr>
+              <a:t>set</a:t>
+            </a:r>
+            <a:r>
+              <a:rPr lang="hu-HU" sz="2000" dirty="0">
+                <a:solidFill>
+                  <a:schemeClr val="tx1"/>
+                </a:solidFill>
+                <a:latin typeface="Consolas" panose="020B0609020204030204" pitchFamily="49" charset="0"/>
+                <a:ea typeface="Times New Roman" panose="02020603050405020304" pitchFamily="18" charset="0"/>
+                <a:cs typeface="Consolas" panose="020B0609020204030204" pitchFamily="49" charset="0"/>
+              </a:rPr>
+              <a:t>(</a:t>
+            </a:r>
+            <a:r>
+              <a:rPr lang="hu-HU" sz="2000" dirty="0" err="1">
+                <a:solidFill>
+                  <a:schemeClr val="tx1"/>
+                </a:solidFill>
+                <a:latin typeface="Consolas" panose="020B0609020204030204" pitchFamily="49" charset="0"/>
+                <a:ea typeface="Times New Roman" panose="02020603050405020304" pitchFamily="18" charset="0"/>
+                <a:cs typeface="Consolas" panose="020B0609020204030204" pitchFamily="49" charset="0"/>
+              </a:rPr>
+              <a:t>position</a:t>
+            </a:r>
+            <a:r>
+              <a:rPr lang="hu-HU" sz="2000" dirty="0">
+                <a:solidFill>
+                  <a:schemeClr val="tx1"/>
+                </a:solidFill>
+                <a:latin typeface="Consolas" panose="020B0609020204030204" pitchFamily="49" charset="0"/>
+                <a:ea typeface="Times New Roman" panose="02020603050405020304" pitchFamily="18" charset="0"/>
+                <a:cs typeface="Consolas" panose="020B0609020204030204" pitchFamily="49" charset="0"/>
+              </a:rPr>
+              <a:t>).xyz1mul(</a:t>
             </a:r>
             <a:r>
               <a:rPr lang="hu-HU" sz="2000" dirty="0" err="1">
@@ -8892,17 +8898,6 @@
               </a:lnSpc>
             </a:pPr>
             <a:r>
-              <a:rPr lang="hu-HU" sz="2000" dirty="0">
-                <a:solidFill>
-                  <a:schemeClr val="tx1"/>
-                </a:solidFill>
-                <a:latin typeface="Consolas" panose="020B0609020204030204" pitchFamily="49" charset="0"/>
-                <a:ea typeface="Times New Roman" panose="02020603050405020304" pitchFamily="18" charset="0"/>
-                <a:cs typeface="Consolas" panose="020B0609020204030204" pitchFamily="49" charset="0"/>
-              </a:rPr>
-              <a:t>this.</a:t>
-            </a:r>
-            <a:r>
               <a:rPr lang="en-US" sz="2000" dirty="0" err="1">
                 <a:solidFill>
                   <a:prstClr val="black"/>
@@ -8930,7 +8925,7 @@
                 <a:latin typeface="Consolas" panose="020B0609020204030204" pitchFamily="49" charset="0"/>
                 <a:ea typeface="Times New Roman" panose="02020603050405020304" pitchFamily="18" charset="0"/>
               </a:rPr>
-              <a:t>this.modelMatrix</a:t>
+              <a:t>modelMatrix</a:t>
             </a:r>
             <a:r>
               <a:rPr lang="en-US" sz="2000" dirty="0">
@@ -8940,7 +8935,7 @@
                 <a:latin typeface="Consolas" panose="020B0609020204030204" pitchFamily="49" charset="0"/>
                 <a:ea typeface="Times New Roman" panose="02020603050405020304" pitchFamily="18" charset="0"/>
               </a:rPr>
-              <a:t>).invert();</a:t>
+              <a:t>).invert()</a:t>
             </a:r>
             <a:endParaRPr lang="en-US" sz="2000" dirty="0">
               <a:solidFill>

--- a/projects/kog.050.010-environment-mapping/aitcg400 - Environment Mapping.pptx
+++ b/projects/kog.050.010-environment-mapping/aitcg400 - Environment Mapping.pptx
@@ -210,7 +210,7 @@
           <a:p>
             <a:fld id="{5B0DAFD6-FAC2-42B7-869F-67A360C20BEA}" type="datetimeFigureOut">
               <a:rPr lang="en-US" smtClean="0"/>
-              <a:t>11/14/2021</a:t>
+              <a:t>4/15/2021</a:t>
             </a:fld>
             <a:endParaRPr lang="en-US"/>
           </a:p>
@@ -608,7 +608,7 @@
           <a:p>
             <a:fld id="{338A3FAA-9C6C-4F9E-8590-40D8D97A52B8}" type="datetimeFigureOut">
               <a:rPr lang="en-US" smtClean="0"/>
-              <a:t>11/14/2021</a:t>
+              <a:t>4/15/2021</a:t>
             </a:fld>
             <a:endParaRPr lang="en-US"/>
           </a:p>
@@ -776,7 +776,7 @@
           <a:p>
             <a:fld id="{338A3FAA-9C6C-4F9E-8590-40D8D97A52B8}" type="datetimeFigureOut">
               <a:rPr lang="en-US" smtClean="0"/>
-              <a:t>11/14/2021</a:t>
+              <a:t>4/15/2021</a:t>
             </a:fld>
             <a:endParaRPr lang="en-US"/>
           </a:p>
@@ -954,7 +954,7 @@
           <a:p>
             <a:fld id="{338A3FAA-9C6C-4F9E-8590-40D8D97A52B8}" type="datetimeFigureOut">
               <a:rPr lang="en-US" smtClean="0"/>
-              <a:t>11/14/2021</a:t>
+              <a:t>4/15/2021</a:t>
             </a:fld>
             <a:endParaRPr lang="en-US"/>
           </a:p>
@@ -1122,7 +1122,7 @@
           <a:p>
             <a:fld id="{338A3FAA-9C6C-4F9E-8590-40D8D97A52B8}" type="datetimeFigureOut">
               <a:rPr lang="en-US" smtClean="0"/>
-              <a:t>11/14/2021</a:t>
+              <a:t>4/15/2021</a:t>
             </a:fld>
             <a:endParaRPr lang="en-US"/>
           </a:p>
@@ -1367,7 +1367,7 @@
           <a:p>
             <a:fld id="{338A3FAA-9C6C-4F9E-8590-40D8D97A52B8}" type="datetimeFigureOut">
               <a:rPr lang="en-US" smtClean="0"/>
-              <a:t>11/14/2021</a:t>
+              <a:t>4/15/2021</a:t>
             </a:fld>
             <a:endParaRPr lang="en-US"/>
           </a:p>
@@ -1596,7 +1596,7 @@
           <a:p>
             <a:fld id="{338A3FAA-9C6C-4F9E-8590-40D8D97A52B8}" type="datetimeFigureOut">
               <a:rPr lang="en-US" smtClean="0"/>
-              <a:t>11/14/2021</a:t>
+              <a:t>4/15/2021</a:t>
             </a:fld>
             <a:endParaRPr lang="en-US"/>
           </a:p>
@@ -1960,7 +1960,7 @@
           <a:p>
             <a:fld id="{338A3FAA-9C6C-4F9E-8590-40D8D97A52B8}" type="datetimeFigureOut">
               <a:rPr lang="en-US" smtClean="0"/>
-              <a:t>11/14/2021</a:t>
+              <a:t>4/15/2021</a:t>
             </a:fld>
             <a:endParaRPr lang="en-US"/>
           </a:p>
@@ -2077,7 +2077,7 @@
           <a:p>
             <a:fld id="{338A3FAA-9C6C-4F9E-8590-40D8D97A52B8}" type="datetimeFigureOut">
               <a:rPr lang="en-US" smtClean="0"/>
-              <a:t>11/14/2021</a:t>
+              <a:t>4/15/2021</a:t>
             </a:fld>
             <a:endParaRPr lang="en-US"/>
           </a:p>
@@ -2172,7 +2172,7 @@
           <a:p>
             <a:fld id="{338A3FAA-9C6C-4F9E-8590-40D8D97A52B8}" type="datetimeFigureOut">
               <a:rPr lang="en-US" smtClean="0"/>
-              <a:t>11/14/2021</a:t>
+              <a:t>4/15/2021</a:t>
             </a:fld>
             <a:endParaRPr lang="en-US"/>
           </a:p>
@@ -2447,7 +2447,7 @@
           <a:p>
             <a:fld id="{338A3FAA-9C6C-4F9E-8590-40D8D97A52B8}" type="datetimeFigureOut">
               <a:rPr lang="en-US" smtClean="0"/>
-              <a:t>11/14/2021</a:t>
+              <a:t>4/15/2021</a:t>
             </a:fld>
             <a:endParaRPr lang="en-US"/>
           </a:p>
@@ -2699,7 +2699,7 @@
           <a:p>
             <a:fld id="{338A3FAA-9C6C-4F9E-8590-40D8D97A52B8}" type="datetimeFigureOut">
               <a:rPr lang="en-US" smtClean="0"/>
-              <a:t>11/14/2021</a:t>
+              <a:t>4/15/2021</a:t>
             </a:fld>
             <a:endParaRPr lang="en-US"/>
           </a:p>
@@ -2910,7 +2910,7 @@
           <a:p>
             <a:fld id="{338A3FAA-9C6C-4F9E-8590-40D8D97A52B8}" type="datetimeFigureOut">
               <a:rPr lang="en-US" smtClean="0"/>
-              <a:t>11/14/2021</a:t>
+              <a:t>4/15/2021</a:t>
             </a:fld>
             <a:endParaRPr lang="en-US"/>
           </a:p>
@@ -3659,7 +3659,27 @@
                 <a:latin typeface="Consolas" panose="020B0609020204030204" pitchFamily="49" charset="0"/>
                 <a:ea typeface="Times New Roman" panose="02020603050405020304" pitchFamily="18" charset="0"/>
               </a:rPr>
-              <a:t>envTexture</a:t>
+              <a:t>env</a:t>
+            </a:r>
+            <a:r>
+              <a:rPr lang="hu-HU" dirty="0">
+                <a:solidFill>
+                  <a:prstClr val="black"/>
+                </a:solidFill>
+                <a:latin typeface="Consolas" panose="020B0609020204030204" pitchFamily="49" charset="0"/>
+                <a:ea typeface="Times New Roman" panose="02020603050405020304" pitchFamily="18" charset="0"/>
+              </a:rPr>
+              <a:t>m</a:t>
+            </a:r>
+            <a:r>
+              <a:rPr lang="en-US" dirty="0" err="1">
+                <a:solidFill>
+                  <a:prstClr val="black"/>
+                </a:solidFill>
+                <a:latin typeface="Consolas" panose="020B0609020204030204" pitchFamily="49" charset="0"/>
+                <a:ea typeface="Times New Roman" panose="02020603050405020304" pitchFamily="18" charset="0"/>
+              </a:rPr>
+              <a:t>apTexture</a:t>
             </a:r>
             <a:r>
               <a:rPr lang="en-US" dirty="0">
@@ -4104,7 +4124,25 @@
                 </a:solidFill>
                 <a:latin typeface="Consolas" panose="020B0609020204030204" pitchFamily="49" charset="0"/>
               </a:rPr>
-              <a:t>  ["</a:t>
+              <a:t>  </a:t>
+            </a:r>
+            <a:r>
+              <a:rPr lang="en-US" sz="1400">
+                <a:solidFill>
+                  <a:schemeClr val="tx1"/>
+                </a:solidFill>
+                <a:latin typeface="Consolas" panose="020B0609020204030204" pitchFamily="49" charset="0"/>
+              </a:rPr>
+              <a:t>["env</a:t>
+            </a:r>
+            <a:r>
+              <a:rPr lang="hu-HU" sz="1400" dirty="0">
+                <a:solidFill>
+                  <a:schemeClr val="tx1"/>
+                </a:solidFill>
+                <a:latin typeface="Consolas" panose="020B0609020204030204" pitchFamily="49" charset="0"/>
+              </a:rPr>
+              <a:t>m</a:t>
             </a:r>
             <a:r>
               <a:rPr lang="en-US" sz="1400" dirty="0" err="1">
@@ -4113,7 +4151,7 @@
                 </a:solidFill>
                 <a:latin typeface="Consolas" panose="020B0609020204030204" pitchFamily="49" charset="0"/>
               </a:rPr>
-              <a:t>envTexture</a:t>
+              <a:t>apTexture</a:t>
             </a:r>
             <a:r>
               <a:rPr lang="en-US" sz="1400" dirty="0">
@@ -4630,51 +4668,7 @@
                 <a:ea typeface="Times New Roman" panose="02020603050405020304" pitchFamily="18" charset="0"/>
                 <a:cs typeface="Consolas" panose="020B0609020204030204" pitchFamily="49" charset="0"/>
               </a:rPr>
-              <a:t>.</a:t>
-            </a:r>
-            <a:r>
-              <a:rPr lang="hu-HU" sz="2000" dirty="0" err="1">
-                <a:solidFill>
-                  <a:schemeClr val="tx1"/>
-                </a:solidFill>
-                <a:latin typeface="Consolas" panose="020B0609020204030204" pitchFamily="49" charset="0"/>
-                <a:ea typeface="Times New Roman" panose="02020603050405020304" pitchFamily="18" charset="0"/>
-                <a:cs typeface="Consolas" panose="020B0609020204030204" pitchFamily="49" charset="0"/>
-              </a:rPr>
-              <a:t>set</a:t>
-            </a:r>
-            <a:r>
-              <a:rPr lang="hu-HU" sz="2000" dirty="0">
-                <a:solidFill>
-                  <a:schemeClr val="tx1"/>
-                </a:solidFill>
-                <a:latin typeface="Consolas" panose="020B0609020204030204" pitchFamily="49" charset="0"/>
-                <a:ea typeface="Times New Roman" panose="02020603050405020304" pitchFamily="18" charset="0"/>
-                <a:cs typeface="Consolas" panose="020B0609020204030204" pitchFamily="49" charset="0"/>
-              </a:rPr>
-              <a:t>(</a:t>
-            </a:r>
-            <a:r>
-              <a:rPr lang="hu-HU" sz="2000" dirty="0" err="1">
-                <a:solidFill>
-                  <a:schemeClr val="tx1"/>
-                </a:solidFill>
-                <a:latin typeface="Consolas" panose="020B0609020204030204" pitchFamily="49" charset="0"/>
-                <a:ea typeface="Times New Roman" panose="02020603050405020304" pitchFamily="18" charset="0"/>
-                <a:cs typeface="Consolas" panose="020B0609020204030204" pitchFamily="49" charset="0"/>
-              </a:rPr>
-              <a:t>position</a:t>
-            </a:r>
-            <a:r>
-              <a:rPr lang="hu-HU" sz="2000" dirty="0">
-                <a:solidFill>
-                  <a:schemeClr val="tx1"/>
-                </a:solidFill>
-                <a:latin typeface="Consolas" panose="020B0609020204030204" pitchFamily="49" charset="0"/>
-                <a:ea typeface="Times New Roman" panose="02020603050405020304" pitchFamily="18" charset="0"/>
-                <a:cs typeface="Consolas" panose="020B0609020204030204" pitchFamily="49" charset="0"/>
-              </a:rPr>
-              <a:t>).xyz1mul(</a:t>
+              <a:t>.set(this.position).xyz1mul(</a:t>
             </a:r>
             <a:r>
               <a:rPr lang="hu-HU" sz="2000" dirty="0" err="1">
@@ -8898,6 +8892,17 @@
               </a:lnSpc>
             </a:pPr>
             <a:r>
+              <a:rPr lang="hu-HU" sz="2000" dirty="0">
+                <a:solidFill>
+                  <a:schemeClr val="tx1"/>
+                </a:solidFill>
+                <a:latin typeface="Consolas" panose="020B0609020204030204" pitchFamily="49" charset="0"/>
+                <a:ea typeface="Times New Roman" panose="02020603050405020304" pitchFamily="18" charset="0"/>
+                <a:cs typeface="Consolas" panose="020B0609020204030204" pitchFamily="49" charset="0"/>
+              </a:rPr>
+              <a:t>this.</a:t>
+            </a:r>
+            <a:r>
               <a:rPr lang="en-US" sz="2000" dirty="0" err="1">
                 <a:solidFill>
                   <a:prstClr val="black"/>
@@ -8925,7 +8930,7 @@
                 <a:latin typeface="Consolas" panose="020B0609020204030204" pitchFamily="49" charset="0"/>
                 <a:ea typeface="Times New Roman" panose="02020603050405020304" pitchFamily="18" charset="0"/>
               </a:rPr>
-              <a:t>modelMatrix</a:t>
+              <a:t>this.modelMatrix</a:t>
             </a:r>
             <a:r>
               <a:rPr lang="en-US" sz="2000" dirty="0">
@@ -8935,7 +8940,7 @@
                 <a:latin typeface="Consolas" panose="020B0609020204030204" pitchFamily="49" charset="0"/>
                 <a:ea typeface="Times New Roman" panose="02020603050405020304" pitchFamily="18" charset="0"/>
               </a:rPr>
-              <a:t>).invert()</a:t>
+              <a:t>).invert();</a:t>
             </a:r>
             <a:endParaRPr lang="en-US" sz="2000" dirty="0">
               <a:solidFill>
